--- a/Кулманаков Илья.pptx
+++ b/Кулманаков Илья.pptx
@@ -51,7 +51,7 @@
       </p:grpSpPr>
       <p:sp>
         <p:nvSpPr>
-          <p:cNvPr id="167" name="PlaceHolder 1"/>
+          <p:cNvPr id="166" name="PlaceHolder 1"/>
           <p:cNvSpPr>
             <a:spLocks noGrp="1"/>
           </p:cNvSpPr>
@@ -88,7 +88,7 @@
       </p:sp>
       <p:sp>
         <p:nvSpPr>
-          <p:cNvPr id="168" name="PlaceHolder 2"/>
+          <p:cNvPr id="167" name="PlaceHolder 2"/>
           <p:cNvSpPr>
             <a:spLocks noGrp="1"/>
           </p:cNvSpPr>
@@ -124,7 +124,7 @@
       </p:sp>
       <p:sp>
         <p:nvSpPr>
-          <p:cNvPr id="169" name="PlaceHolder 3"/>
+          <p:cNvPr id="168" name="PlaceHolder 3"/>
           <p:cNvSpPr>
             <a:spLocks noGrp="1"/>
           </p:cNvSpPr>
@@ -160,7 +160,7 @@
       </p:sp>
       <p:sp>
         <p:nvSpPr>
-          <p:cNvPr id="170" name="PlaceHolder 4"/>
+          <p:cNvPr id="169" name="PlaceHolder 4"/>
           <p:cNvSpPr>
             <a:spLocks noGrp="1"/>
           </p:cNvSpPr>
@@ -197,7 +197,7 @@
       </p:sp>
       <p:sp>
         <p:nvSpPr>
-          <p:cNvPr id="171" name="PlaceHolder 5"/>
+          <p:cNvPr id="170" name="PlaceHolder 5"/>
           <p:cNvSpPr>
             <a:spLocks noGrp="1"/>
           </p:cNvSpPr>
@@ -233,7 +233,7 @@
       </p:sp>
       <p:sp>
         <p:nvSpPr>
-          <p:cNvPr id="172" name="PlaceHolder 6"/>
+          <p:cNvPr id="171" name="PlaceHolder 6"/>
           <p:cNvSpPr>
             <a:spLocks noGrp="1"/>
           </p:cNvSpPr>
@@ -256,7 +256,7 @@
           </a:bodyPr>
           <a:p>
             <a:pPr algn="r"/>
-            <a:fld id="{70DE40A7-AAE9-4236-8175-03B3F4B3DCDD}" type="slidenum">
+            <a:fld id="{13230BDC-AD66-4754-A8A3-F019E339C1A9}" type="slidenum">
               <a:rPr b="0" lang="ru-RU" sz="1400" spc="-1" strike="noStrike">
                 <a:latin typeface="Times New Roman"/>
               </a:rPr>
@@ -293,7 +293,7 @@
       </p:grpSpPr>
       <p:sp>
         <p:nvSpPr>
-          <p:cNvPr id="214" name="PlaceHolder 1"/>
+          <p:cNvPr id="213" name="PlaceHolder 1"/>
           <p:cNvSpPr>
             <a:spLocks noGrp="1"/>
           </p:cNvSpPr>
@@ -313,7 +313,7 @@
       </p:sp>
       <p:sp>
         <p:nvSpPr>
-          <p:cNvPr id="215" name="PlaceHolder 2"/>
+          <p:cNvPr id="214" name="PlaceHolder 2"/>
           <p:cNvSpPr>
             <a:spLocks noGrp="1"/>
           </p:cNvSpPr>
@@ -392,7 +392,7 @@
       </p:grpSpPr>
       <p:sp>
         <p:nvSpPr>
-          <p:cNvPr id="220" name="PlaceHolder 1"/>
+          <p:cNvPr id="219" name="PlaceHolder 1"/>
           <p:cNvSpPr>
             <a:spLocks noGrp="1"/>
           </p:cNvSpPr>
@@ -412,7 +412,7 @@
       </p:sp>
       <p:sp>
         <p:nvSpPr>
-          <p:cNvPr id="221" name="PlaceHolder 2"/>
+          <p:cNvPr id="220" name="PlaceHolder 2"/>
           <p:cNvSpPr>
             <a:spLocks noGrp="1"/>
           </p:cNvSpPr>
@@ -516,7 +516,7 @@
       </p:grpSpPr>
       <p:sp>
         <p:nvSpPr>
-          <p:cNvPr id="216" name="PlaceHolder 1"/>
+          <p:cNvPr id="215" name="PlaceHolder 1"/>
           <p:cNvSpPr>
             <a:spLocks noGrp="1"/>
           </p:cNvSpPr>
@@ -536,7 +536,7 @@
       </p:sp>
       <p:sp>
         <p:nvSpPr>
-          <p:cNvPr id="217" name="PlaceHolder 2"/>
+          <p:cNvPr id="216" name="PlaceHolder 2"/>
           <p:cNvSpPr>
             <a:spLocks noGrp="1"/>
           </p:cNvSpPr>
@@ -662,7 +662,7 @@
       </p:grpSpPr>
       <p:sp>
         <p:nvSpPr>
-          <p:cNvPr id="218" name="PlaceHolder 1"/>
+          <p:cNvPr id="217" name="PlaceHolder 1"/>
           <p:cNvSpPr>
             <a:spLocks noGrp="1"/>
           </p:cNvSpPr>
@@ -682,7 +682,7 @@
       </p:sp>
       <p:sp>
         <p:nvSpPr>
-          <p:cNvPr id="219" name="PlaceHolder 2"/>
+          <p:cNvPr id="218" name="PlaceHolder 2"/>
           <p:cNvSpPr>
             <a:spLocks noGrp="1"/>
           </p:cNvSpPr>
@@ -793,7 +793,7 @@
       </p:grpSpPr>
       <p:sp>
         <p:nvSpPr>
-          <p:cNvPr id="29" name="PlaceHolder 1"/>
+          <p:cNvPr id="28" name="PlaceHolder 1"/>
           <p:cNvSpPr>
             <a:spLocks noGrp="1"/>
           </p:cNvSpPr>
@@ -824,7 +824,7 @@
       </p:sp>
       <p:sp>
         <p:nvSpPr>
-          <p:cNvPr id="30" name="PlaceHolder 2"/>
+          <p:cNvPr id="29" name="PlaceHolder 2"/>
           <p:cNvSpPr>
             <a:spLocks noGrp="1"/>
           </p:cNvSpPr>
@@ -854,7 +854,7 @@
       </p:sp>
       <p:sp>
         <p:nvSpPr>
-          <p:cNvPr id="31" name="PlaceHolder 3"/>
+          <p:cNvPr id="30" name="PlaceHolder 3"/>
           <p:cNvSpPr>
             <a:spLocks noGrp="1"/>
           </p:cNvSpPr>
@@ -906,7 +906,7 @@
       </p:grpSpPr>
       <p:sp>
         <p:nvSpPr>
-          <p:cNvPr id="32" name="PlaceHolder 1"/>
+          <p:cNvPr id="31" name="PlaceHolder 1"/>
           <p:cNvSpPr>
             <a:spLocks noGrp="1"/>
           </p:cNvSpPr>
@@ -937,7 +937,7 @@
       </p:sp>
       <p:sp>
         <p:nvSpPr>
-          <p:cNvPr id="33" name="PlaceHolder 2"/>
+          <p:cNvPr id="32" name="PlaceHolder 2"/>
           <p:cNvSpPr>
             <a:spLocks noGrp="1"/>
           </p:cNvSpPr>
@@ -967,7 +967,7 @@
       </p:sp>
       <p:sp>
         <p:nvSpPr>
-          <p:cNvPr id="34" name="PlaceHolder 3"/>
+          <p:cNvPr id="33" name="PlaceHolder 3"/>
           <p:cNvSpPr>
             <a:spLocks noGrp="1"/>
           </p:cNvSpPr>
@@ -997,7 +997,7 @@
       </p:sp>
       <p:sp>
         <p:nvSpPr>
-          <p:cNvPr id="35" name="PlaceHolder 4"/>
+          <p:cNvPr id="34" name="PlaceHolder 4"/>
           <p:cNvSpPr>
             <a:spLocks noGrp="1"/>
           </p:cNvSpPr>
@@ -1027,7 +1027,7 @@
       </p:sp>
       <p:sp>
         <p:nvSpPr>
-          <p:cNvPr id="36" name="PlaceHolder 5"/>
+          <p:cNvPr id="35" name="PlaceHolder 5"/>
           <p:cNvSpPr>
             <a:spLocks noGrp="1"/>
           </p:cNvSpPr>
@@ -1079,7 +1079,7 @@
       </p:grpSpPr>
       <p:sp>
         <p:nvSpPr>
-          <p:cNvPr id="37" name="PlaceHolder 1"/>
+          <p:cNvPr id="36" name="PlaceHolder 1"/>
           <p:cNvSpPr>
             <a:spLocks noGrp="1"/>
           </p:cNvSpPr>
@@ -1110,7 +1110,7 @@
       </p:sp>
       <p:sp>
         <p:nvSpPr>
-          <p:cNvPr id="38" name="PlaceHolder 2"/>
+          <p:cNvPr id="37" name="PlaceHolder 2"/>
           <p:cNvSpPr>
             <a:spLocks noGrp="1"/>
           </p:cNvSpPr>
@@ -1140,7 +1140,7 @@
       </p:sp>
       <p:sp>
         <p:nvSpPr>
-          <p:cNvPr id="39" name="PlaceHolder 3"/>
+          <p:cNvPr id="38" name="PlaceHolder 3"/>
           <p:cNvSpPr>
             <a:spLocks noGrp="1"/>
           </p:cNvSpPr>
@@ -1170,7 +1170,7 @@
       </p:sp>
       <p:sp>
         <p:nvSpPr>
-          <p:cNvPr id="40" name="PlaceHolder 4"/>
+          <p:cNvPr id="39" name="PlaceHolder 4"/>
           <p:cNvSpPr>
             <a:spLocks noGrp="1"/>
           </p:cNvSpPr>
@@ -1200,7 +1200,7 @@
       </p:sp>
       <p:sp>
         <p:nvSpPr>
-          <p:cNvPr id="41" name="PlaceHolder 5"/>
+          <p:cNvPr id="40" name="PlaceHolder 5"/>
           <p:cNvSpPr>
             <a:spLocks noGrp="1"/>
           </p:cNvSpPr>
@@ -1230,7 +1230,7 @@
       </p:sp>
       <p:sp>
         <p:nvSpPr>
-          <p:cNvPr id="42" name="PlaceHolder 6"/>
+          <p:cNvPr id="41" name="PlaceHolder 6"/>
           <p:cNvSpPr>
             <a:spLocks noGrp="1"/>
           </p:cNvSpPr>
@@ -1260,7 +1260,7 @@
       </p:sp>
       <p:sp>
         <p:nvSpPr>
-          <p:cNvPr id="43" name="PlaceHolder 7"/>
+          <p:cNvPr id="42" name="PlaceHolder 7"/>
           <p:cNvSpPr>
             <a:spLocks noGrp="1"/>
           </p:cNvSpPr>
@@ -1334,7 +1334,7 @@
       </p:grpSpPr>
       <p:sp>
         <p:nvSpPr>
-          <p:cNvPr id="49" name="PlaceHolder 1"/>
+          <p:cNvPr id="48" name="PlaceHolder 1"/>
           <p:cNvSpPr>
             <a:spLocks noGrp="1"/>
           </p:cNvSpPr>
@@ -1365,7 +1365,7 @@
       </p:sp>
       <p:sp>
         <p:nvSpPr>
-          <p:cNvPr id="50" name="PlaceHolder 2"/>
+          <p:cNvPr id="49" name="PlaceHolder 2"/>
           <p:cNvSpPr>
             <a:spLocks noGrp="1"/>
           </p:cNvSpPr>
@@ -1418,7 +1418,7 @@
       </p:grpSpPr>
       <p:sp>
         <p:nvSpPr>
-          <p:cNvPr id="51" name="PlaceHolder 1"/>
+          <p:cNvPr id="50" name="PlaceHolder 1"/>
           <p:cNvSpPr>
             <a:spLocks noGrp="1"/>
           </p:cNvSpPr>
@@ -1449,7 +1449,7 @@
       </p:sp>
       <p:sp>
         <p:nvSpPr>
-          <p:cNvPr id="52" name="PlaceHolder 2"/>
+          <p:cNvPr id="51" name="PlaceHolder 2"/>
           <p:cNvSpPr>
             <a:spLocks noGrp="1"/>
           </p:cNvSpPr>
@@ -1501,7 +1501,7 @@
       </p:grpSpPr>
       <p:sp>
         <p:nvSpPr>
-          <p:cNvPr id="53" name="PlaceHolder 1"/>
+          <p:cNvPr id="52" name="PlaceHolder 1"/>
           <p:cNvSpPr>
             <a:spLocks noGrp="1"/>
           </p:cNvSpPr>
@@ -1532,7 +1532,7 @@
       </p:sp>
       <p:sp>
         <p:nvSpPr>
-          <p:cNvPr id="54" name="PlaceHolder 2"/>
+          <p:cNvPr id="53" name="PlaceHolder 2"/>
           <p:cNvSpPr>
             <a:spLocks noGrp="1"/>
           </p:cNvSpPr>
@@ -1562,7 +1562,7 @@
       </p:sp>
       <p:sp>
         <p:nvSpPr>
-          <p:cNvPr id="55" name="PlaceHolder 3"/>
+          <p:cNvPr id="54" name="PlaceHolder 3"/>
           <p:cNvSpPr>
             <a:spLocks noGrp="1"/>
           </p:cNvSpPr>
@@ -1614,7 +1614,7 @@
       </p:grpSpPr>
       <p:sp>
         <p:nvSpPr>
-          <p:cNvPr id="56" name="PlaceHolder 1"/>
+          <p:cNvPr id="55" name="PlaceHolder 1"/>
           <p:cNvSpPr>
             <a:spLocks noGrp="1"/>
           </p:cNvSpPr>
@@ -1667,7 +1667,7 @@
       </p:grpSpPr>
       <p:sp>
         <p:nvSpPr>
-          <p:cNvPr id="57" name="PlaceHolder 1"/>
+          <p:cNvPr id="56" name="PlaceHolder 1"/>
           <p:cNvSpPr>
             <a:spLocks noGrp="1"/>
           </p:cNvSpPr>
@@ -1720,7 +1720,7 @@
       </p:grpSpPr>
       <p:sp>
         <p:nvSpPr>
-          <p:cNvPr id="58" name="PlaceHolder 1"/>
+          <p:cNvPr id="57" name="PlaceHolder 1"/>
           <p:cNvSpPr>
             <a:spLocks noGrp="1"/>
           </p:cNvSpPr>
@@ -1751,7 +1751,7 @@
       </p:sp>
       <p:sp>
         <p:nvSpPr>
-          <p:cNvPr id="59" name="PlaceHolder 2"/>
+          <p:cNvPr id="58" name="PlaceHolder 2"/>
           <p:cNvSpPr>
             <a:spLocks noGrp="1"/>
           </p:cNvSpPr>
@@ -1781,7 +1781,7 @@
       </p:sp>
       <p:sp>
         <p:nvSpPr>
-          <p:cNvPr id="60" name="PlaceHolder 3"/>
+          <p:cNvPr id="59" name="PlaceHolder 3"/>
           <p:cNvSpPr>
             <a:spLocks noGrp="1"/>
           </p:cNvSpPr>
@@ -1811,7 +1811,7 @@
       </p:sp>
       <p:sp>
         <p:nvSpPr>
-          <p:cNvPr id="61" name="PlaceHolder 4"/>
+          <p:cNvPr id="60" name="PlaceHolder 4"/>
           <p:cNvSpPr>
             <a:spLocks noGrp="1"/>
           </p:cNvSpPr>
@@ -1863,7 +1863,7 @@
       </p:grpSpPr>
       <p:sp>
         <p:nvSpPr>
-          <p:cNvPr id="8" name="PlaceHolder 1"/>
+          <p:cNvPr id="7" name="PlaceHolder 1"/>
           <p:cNvSpPr>
             <a:spLocks noGrp="1"/>
           </p:cNvSpPr>
@@ -1894,7 +1894,7 @@
       </p:sp>
       <p:sp>
         <p:nvSpPr>
-          <p:cNvPr id="9" name="PlaceHolder 2"/>
+          <p:cNvPr id="8" name="PlaceHolder 2"/>
           <p:cNvSpPr>
             <a:spLocks noGrp="1"/>
           </p:cNvSpPr>
@@ -1947,7 +1947,7 @@
       </p:grpSpPr>
       <p:sp>
         <p:nvSpPr>
-          <p:cNvPr id="62" name="PlaceHolder 1"/>
+          <p:cNvPr id="61" name="PlaceHolder 1"/>
           <p:cNvSpPr>
             <a:spLocks noGrp="1"/>
           </p:cNvSpPr>
@@ -1978,7 +1978,7 @@
       </p:sp>
       <p:sp>
         <p:nvSpPr>
-          <p:cNvPr id="63" name="PlaceHolder 2"/>
+          <p:cNvPr id="62" name="PlaceHolder 2"/>
           <p:cNvSpPr>
             <a:spLocks noGrp="1"/>
           </p:cNvSpPr>
@@ -2008,7 +2008,7 @@
       </p:sp>
       <p:sp>
         <p:nvSpPr>
-          <p:cNvPr id="64" name="PlaceHolder 3"/>
+          <p:cNvPr id="63" name="PlaceHolder 3"/>
           <p:cNvSpPr>
             <a:spLocks noGrp="1"/>
           </p:cNvSpPr>
@@ -2038,7 +2038,7 @@
       </p:sp>
       <p:sp>
         <p:nvSpPr>
-          <p:cNvPr id="65" name="PlaceHolder 4"/>
+          <p:cNvPr id="64" name="PlaceHolder 4"/>
           <p:cNvSpPr>
             <a:spLocks noGrp="1"/>
           </p:cNvSpPr>
@@ -2090,7 +2090,7 @@
       </p:grpSpPr>
       <p:sp>
         <p:nvSpPr>
-          <p:cNvPr id="66" name="PlaceHolder 1"/>
+          <p:cNvPr id="65" name="PlaceHolder 1"/>
           <p:cNvSpPr>
             <a:spLocks noGrp="1"/>
           </p:cNvSpPr>
@@ -2121,7 +2121,7 @@
       </p:sp>
       <p:sp>
         <p:nvSpPr>
-          <p:cNvPr id="67" name="PlaceHolder 2"/>
+          <p:cNvPr id="66" name="PlaceHolder 2"/>
           <p:cNvSpPr>
             <a:spLocks noGrp="1"/>
           </p:cNvSpPr>
@@ -2151,7 +2151,7 @@
       </p:sp>
       <p:sp>
         <p:nvSpPr>
-          <p:cNvPr id="68" name="PlaceHolder 3"/>
+          <p:cNvPr id="67" name="PlaceHolder 3"/>
           <p:cNvSpPr>
             <a:spLocks noGrp="1"/>
           </p:cNvSpPr>
@@ -2181,7 +2181,7 @@
       </p:sp>
       <p:sp>
         <p:nvSpPr>
-          <p:cNvPr id="69" name="PlaceHolder 4"/>
+          <p:cNvPr id="68" name="PlaceHolder 4"/>
           <p:cNvSpPr>
             <a:spLocks noGrp="1"/>
           </p:cNvSpPr>
@@ -2233,7 +2233,7 @@
       </p:grpSpPr>
       <p:sp>
         <p:nvSpPr>
-          <p:cNvPr id="70" name="PlaceHolder 1"/>
+          <p:cNvPr id="69" name="PlaceHolder 1"/>
           <p:cNvSpPr>
             <a:spLocks noGrp="1"/>
           </p:cNvSpPr>
@@ -2264,7 +2264,7 @@
       </p:sp>
       <p:sp>
         <p:nvSpPr>
-          <p:cNvPr id="71" name="PlaceHolder 2"/>
+          <p:cNvPr id="70" name="PlaceHolder 2"/>
           <p:cNvSpPr>
             <a:spLocks noGrp="1"/>
           </p:cNvSpPr>
@@ -2294,7 +2294,7 @@
       </p:sp>
       <p:sp>
         <p:nvSpPr>
-          <p:cNvPr id="72" name="PlaceHolder 3"/>
+          <p:cNvPr id="71" name="PlaceHolder 3"/>
           <p:cNvSpPr>
             <a:spLocks noGrp="1"/>
           </p:cNvSpPr>
@@ -2346,7 +2346,7 @@
       </p:grpSpPr>
       <p:sp>
         <p:nvSpPr>
-          <p:cNvPr id="73" name="PlaceHolder 1"/>
+          <p:cNvPr id="72" name="PlaceHolder 1"/>
           <p:cNvSpPr>
             <a:spLocks noGrp="1"/>
           </p:cNvSpPr>
@@ -2377,7 +2377,7 @@
       </p:sp>
       <p:sp>
         <p:nvSpPr>
-          <p:cNvPr id="74" name="PlaceHolder 2"/>
+          <p:cNvPr id="73" name="PlaceHolder 2"/>
           <p:cNvSpPr>
             <a:spLocks noGrp="1"/>
           </p:cNvSpPr>
@@ -2407,7 +2407,7 @@
       </p:sp>
       <p:sp>
         <p:nvSpPr>
-          <p:cNvPr id="75" name="PlaceHolder 3"/>
+          <p:cNvPr id="74" name="PlaceHolder 3"/>
           <p:cNvSpPr>
             <a:spLocks noGrp="1"/>
           </p:cNvSpPr>
@@ -2437,7 +2437,7 @@
       </p:sp>
       <p:sp>
         <p:nvSpPr>
-          <p:cNvPr id="76" name="PlaceHolder 4"/>
+          <p:cNvPr id="75" name="PlaceHolder 4"/>
           <p:cNvSpPr>
             <a:spLocks noGrp="1"/>
           </p:cNvSpPr>
@@ -2467,7 +2467,7 @@
       </p:sp>
       <p:sp>
         <p:nvSpPr>
-          <p:cNvPr id="77" name="PlaceHolder 5"/>
+          <p:cNvPr id="76" name="PlaceHolder 5"/>
           <p:cNvSpPr>
             <a:spLocks noGrp="1"/>
           </p:cNvSpPr>
@@ -2519,7 +2519,7 @@
       </p:grpSpPr>
       <p:sp>
         <p:nvSpPr>
-          <p:cNvPr id="78" name="PlaceHolder 1"/>
+          <p:cNvPr id="77" name="PlaceHolder 1"/>
           <p:cNvSpPr>
             <a:spLocks noGrp="1"/>
           </p:cNvSpPr>
@@ -2550,7 +2550,7 @@
       </p:sp>
       <p:sp>
         <p:nvSpPr>
-          <p:cNvPr id="79" name="PlaceHolder 2"/>
+          <p:cNvPr id="78" name="PlaceHolder 2"/>
           <p:cNvSpPr>
             <a:spLocks noGrp="1"/>
           </p:cNvSpPr>
@@ -2580,7 +2580,7 @@
       </p:sp>
       <p:sp>
         <p:nvSpPr>
-          <p:cNvPr id="80" name="PlaceHolder 3"/>
+          <p:cNvPr id="79" name="PlaceHolder 3"/>
           <p:cNvSpPr>
             <a:spLocks noGrp="1"/>
           </p:cNvSpPr>
@@ -2610,7 +2610,7 @@
       </p:sp>
       <p:sp>
         <p:nvSpPr>
-          <p:cNvPr id="81" name="PlaceHolder 4"/>
+          <p:cNvPr id="80" name="PlaceHolder 4"/>
           <p:cNvSpPr>
             <a:spLocks noGrp="1"/>
           </p:cNvSpPr>
@@ -2640,7 +2640,7 @@
       </p:sp>
       <p:sp>
         <p:nvSpPr>
-          <p:cNvPr id="82" name="PlaceHolder 5"/>
+          <p:cNvPr id="81" name="PlaceHolder 5"/>
           <p:cNvSpPr>
             <a:spLocks noGrp="1"/>
           </p:cNvSpPr>
@@ -2670,7 +2670,7 @@
       </p:sp>
       <p:sp>
         <p:nvSpPr>
-          <p:cNvPr id="83" name="PlaceHolder 6"/>
+          <p:cNvPr id="82" name="PlaceHolder 6"/>
           <p:cNvSpPr>
             <a:spLocks noGrp="1"/>
           </p:cNvSpPr>
@@ -2700,7 +2700,7 @@
       </p:sp>
       <p:sp>
         <p:nvSpPr>
-          <p:cNvPr id="84" name="PlaceHolder 7"/>
+          <p:cNvPr id="83" name="PlaceHolder 7"/>
           <p:cNvSpPr>
             <a:spLocks noGrp="1"/>
           </p:cNvSpPr>
@@ -2774,7 +2774,7 @@
       </p:grpSpPr>
       <p:sp>
         <p:nvSpPr>
-          <p:cNvPr id="90" name="PlaceHolder 1"/>
+          <p:cNvPr id="89" name="PlaceHolder 1"/>
           <p:cNvSpPr>
             <a:spLocks noGrp="1"/>
           </p:cNvSpPr>
@@ -2805,7 +2805,7 @@
       </p:sp>
       <p:sp>
         <p:nvSpPr>
-          <p:cNvPr id="91" name="PlaceHolder 2"/>
+          <p:cNvPr id="90" name="PlaceHolder 2"/>
           <p:cNvSpPr>
             <a:spLocks noGrp="1"/>
           </p:cNvSpPr>
@@ -2858,7 +2858,7 @@
       </p:grpSpPr>
       <p:sp>
         <p:nvSpPr>
-          <p:cNvPr id="92" name="PlaceHolder 1"/>
+          <p:cNvPr id="91" name="PlaceHolder 1"/>
           <p:cNvSpPr>
             <a:spLocks noGrp="1"/>
           </p:cNvSpPr>
@@ -2889,7 +2889,7 @@
       </p:sp>
       <p:sp>
         <p:nvSpPr>
-          <p:cNvPr id="93" name="PlaceHolder 2"/>
+          <p:cNvPr id="92" name="PlaceHolder 2"/>
           <p:cNvSpPr>
             <a:spLocks noGrp="1"/>
           </p:cNvSpPr>
@@ -2941,7 +2941,7 @@
       </p:grpSpPr>
       <p:sp>
         <p:nvSpPr>
-          <p:cNvPr id="94" name="PlaceHolder 1"/>
+          <p:cNvPr id="93" name="PlaceHolder 1"/>
           <p:cNvSpPr>
             <a:spLocks noGrp="1"/>
           </p:cNvSpPr>
@@ -2972,7 +2972,7 @@
       </p:sp>
       <p:sp>
         <p:nvSpPr>
-          <p:cNvPr id="95" name="PlaceHolder 2"/>
+          <p:cNvPr id="94" name="PlaceHolder 2"/>
           <p:cNvSpPr>
             <a:spLocks noGrp="1"/>
           </p:cNvSpPr>
@@ -3002,7 +3002,7 @@
       </p:sp>
       <p:sp>
         <p:nvSpPr>
-          <p:cNvPr id="96" name="PlaceHolder 3"/>
+          <p:cNvPr id="95" name="PlaceHolder 3"/>
           <p:cNvSpPr>
             <a:spLocks noGrp="1"/>
           </p:cNvSpPr>
@@ -3054,7 +3054,7 @@
       </p:grpSpPr>
       <p:sp>
         <p:nvSpPr>
-          <p:cNvPr id="97" name="PlaceHolder 1"/>
+          <p:cNvPr id="96" name="PlaceHolder 1"/>
           <p:cNvSpPr>
             <a:spLocks noGrp="1"/>
           </p:cNvSpPr>
@@ -3107,7 +3107,7 @@
       </p:grpSpPr>
       <p:sp>
         <p:nvSpPr>
-          <p:cNvPr id="10" name="PlaceHolder 1"/>
+          <p:cNvPr id="9" name="PlaceHolder 1"/>
           <p:cNvSpPr>
             <a:spLocks noGrp="1"/>
           </p:cNvSpPr>
@@ -3138,7 +3138,7 @@
       </p:sp>
       <p:sp>
         <p:nvSpPr>
-          <p:cNvPr id="11" name="PlaceHolder 2"/>
+          <p:cNvPr id="10" name="PlaceHolder 2"/>
           <p:cNvSpPr>
             <a:spLocks noGrp="1"/>
           </p:cNvSpPr>
@@ -3190,7 +3190,7 @@
       </p:grpSpPr>
       <p:sp>
         <p:nvSpPr>
-          <p:cNvPr id="98" name="PlaceHolder 1"/>
+          <p:cNvPr id="97" name="PlaceHolder 1"/>
           <p:cNvSpPr>
             <a:spLocks noGrp="1"/>
           </p:cNvSpPr>
@@ -3243,7 +3243,7 @@
       </p:grpSpPr>
       <p:sp>
         <p:nvSpPr>
-          <p:cNvPr id="99" name="PlaceHolder 1"/>
+          <p:cNvPr id="98" name="PlaceHolder 1"/>
           <p:cNvSpPr>
             <a:spLocks noGrp="1"/>
           </p:cNvSpPr>
@@ -3274,7 +3274,7 @@
       </p:sp>
       <p:sp>
         <p:nvSpPr>
-          <p:cNvPr id="100" name="PlaceHolder 2"/>
+          <p:cNvPr id="99" name="PlaceHolder 2"/>
           <p:cNvSpPr>
             <a:spLocks noGrp="1"/>
           </p:cNvSpPr>
@@ -3304,7 +3304,7 @@
       </p:sp>
       <p:sp>
         <p:nvSpPr>
-          <p:cNvPr id="101" name="PlaceHolder 3"/>
+          <p:cNvPr id="100" name="PlaceHolder 3"/>
           <p:cNvSpPr>
             <a:spLocks noGrp="1"/>
           </p:cNvSpPr>
@@ -3334,7 +3334,7 @@
       </p:sp>
       <p:sp>
         <p:nvSpPr>
-          <p:cNvPr id="102" name="PlaceHolder 4"/>
+          <p:cNvPr id="101" name="PlaceHolder 4"/>
           <p:cNvSpPr>
             <a:spLocks noGrp="1"/>
           </p:cNvSpPr>
@@ -3386,7 +3386,7 @@
       </p:grpSpPr>
       <p:sp>
         <p:nvSpPr>
-          <p:cNvPr id="103" name="PlaceHolder 1"/>
+          <p:cNvPr id="102" name="PlaceHolder 1"/>
           <p:cNvSpPr>
             <a:spLocks noGrp="1"/>
           </p:cNvSpPr>
@@ -3417,7 +3417,7 @@
       </p:sp>
       <p:sp>
         <p:nvSpPr>
-          <p:cNvPr id="104" name="PlaceHolder 2"/>
+          <p:cNvPr id="103" name="PlaceHolder 2"/>
           <p:cNvSpPr>
             <a:spLocks noGrp="1"/>
           </p:cNvSpPr>
@@ -3447,7 +3447,7 @@
       </p:sp>
       <p:sp>
         <p:nvSpPr>
-          <p:cNvPr id="105" name="PlaceHolder 3"/>
+          <p:cNvPr id="104" name="PlaceHolder 3"/>
           <p:cNvSpPr>
             <a:spLocks noGrp="1"/>
           </p:cNvSpPr>
@@ -3477,7 +3477,7 @@
       </p:sp>
       <p:sp>
         <p:nvSpPr>
-          <p:cNvPr id="106" name="PlaceHolder 4"/>
+          <p:cNvPr id="105" name="PlaceHolder 4"/>
           <p:cNvSpPr>
             <a:spLocks noGrp="1"/>
           </p:cNvSpPr>
@@ -3529,7 +3529,7 @@
       </p:grpSpPr>
       <p:sp>
         <p:nvSpPr>
-          <p:cNvPr id="107" name="PlaceHolder 1"/>
+          <p:cNvPr id="106" name="PlaceHolder 1"/>
           <p:cNvSpPr>
             <a:spLocks noGrp="1"/>
           </p:cNvSpPr>
@@ -3560,7 +3560,7 @@
       </p:sp>
       <p:sp>
         <p:nvSpPr>
-          <p:cNvPr id="108" name="PlaceHolder 2"/>
+          <p:cNvPr id="107" name="PlaceHolder 2"/>
           <p:cNvSpPr>
             <a:spLocks noGrp="1"/>
           </p:cNvSpPr>
@@ -3590,7 +3590,7 @@
       </p:sp>
       <p:sp>
         <p:nvSpPr>
-          <p:cNvPr id="109" name="PlaceHolder 3"/>
+          <p:cNvPr id="108" name="PlaceHolder 3"/>
           <p:cNvSpPr>
             <a:spLocks noGrp="1"/>
           </p:cNvSpPr>
@@ -3620,7 +3620,7 @@
       </p:sp>
       <p:sp>
         <p:nvSpPr>
-          <p:cNvPr id="110" name="PlaceHolder 4"/>
+          <p:cNvPr id="109" name="PlaceHolder 4"/>
           <p:cNvSpPr>
             <a:spLocks noGrp="1"/>
           </p:cNvSpPr>
@@ -3672,7 +3672,7 @@
       </p:grpSpPr>
       <p:sp>
         <p:nvSpPr>
-          <p:cNvPr id="111" name="PlaceHolder 1"/>
+          <p:cNvPr id="110" name="PlaceHolder 1"/>
           <p:cNvSpPr>
             <a:spLocks noGrp="1"/>
           </p:cNvSpPr>
@@ -3703,7 +3703,7 @@
       </p:sp>
       <p:sp>
         <p:nvSpPr>
-          <p:cNvPr id="112" name="PlaceHolder 2"/>
+          <p:cNvPr id="111" name="PlaceHolder 2"/>
           <p:cNvSpPr>
             <a:spLocks noGrp="1"/>
           </p:cNvSpPr>
@@ -3733,7 +3733,7 @@
       </p:sp>
       <p:sp>
         <p:nvSpPr>
-          <p:cNvPr id="113" name="PlaceHolder 3"/>
+          <p:cNvPr id="112" name="PlaceHolder 3"/>
           <p:cNvSpPr>
             <a:spLocks noGrp="1"/>
           </p:cNvSpPr>
@@ -3785,7 +3785,7 @@
       </p:grpSpPr>
       <p:sp>
         <p:nvSpPr>
-          <p:cNvPr id="114" name="PlaceHolder 1"/>
+          <p:cNvPr id="113" name="PlaceHolder 1"/>
           <p:cNvSpPr>
             <a:spLocks noGrp="1"/>
           </p:cNvSpPr>
@@ -3816,7 +3816,7 @@
       </p:sp>
       <p:sp>
         <p:nvSpPr>
-          <p:cNvPr id="115" name="PlaceHolder 2"/>
+          <p:cNvPr id="114" name="PlaceHolder 2"/>
           <p:cNvSpPr>
             <a:spLocks noGrp="1"/>
           </p:cNvSpPr>
@@ -3846,7 +3846,7 @@
       </p:sp>
       <p:sp>
         <p:nvSpPr>
-          <p:cNvPr id="116" name="PlaceHolder 3"/>
+          <p:cNvPr id="115" name="PlaceHolder 3"/>
           <p:cNvSpPr>
             <a:spLocks noGrp="1"/>
           </p:cNvSpPr>
@@ -3876,7 +3876,7 @@
       </p:sp>
       <p:sp>
         <p:nvSpPr>
-          <p:cNvPr id="117" name="PlaceHolder 4"/>
+          <p:cNvPr id="116" name="PlaceHolder 4"/>
           <p:cNvSpPr>
             <a:spLocks noGrp="1"/>
           </p:cNvSpPr>
@@ -3906,7 +3906,7 @@
       </p:sp>
       <p:sp>
         <p:nvSpPr>
-          <p:cNvPr id="118" name="PlaceHolder 5"/>
+          <p:cNvPr id="117" name="PlaceHolder 5"/>
           <p:cNvSpPr>
             <a:spLocks noGrp="1"/>
           </p:cNvSpPr>
@@ -3958,7 +3958,7 @@
       </p:grpSpPr>
       <p:sp>
         <p:nvSpPr>
-          <p:cNvPr id="119" name="PlaceHolder 1"/>
+          <p:cNvPr id="118" name="PlaceHolder 1"/>
           <p:cNvSpPr>
             <a:spLocks noGrp="1"/>
           </p:cNvSpPr>
@@ -3989,7 +3989,7 @@
       </p:sp>
       <p:sp>
         <p:nvSpPr>
-          <p:cNvPr id="120" name="PlaceHolder 2"/>
+          <p:cNvPr id="119" name="PlaceHolder 2"/>
           <p:cNvSpPr>
             <a:spLocks noGrp="1"/>
           </p:cNvSpPr>
@@ -4019,7 +4019,7 @@
       </p:sp>
       <p:sp>
         <p:nvSpPr>
-          <p:cNvPr id="121" name="PlaceHolder 3"/>
+          <p:cNvPr id="120" name="PlaceHolder 3"/>
           <p:cNvSpPr>
             <a:spLocks noGrp="1"/>
           </p:cNvSpPr>
@@ -4049,7 +4049,7 @@
       </p:sp>
       <p:sp>
         <p:nvSpPr>
-          <p:cNvPr id="122" name="PlaceHolder 4"/>
+          <p:cNvPr id="121" name="PlaceHolder 4"/>
           <p:cNvSpPr>
             <a:spLocks noGrp="1"/>
           </p:cNvSpPr>
@@ -4079,7 +4079,7 @@
       </p:sp>
       <p:sp>
         <p:nvSpPr>
-          <p:cNvPr id="123" name="PlaceHolder 5"/>
+          <p:cNvPr id="122" name="PlaceHolder 5"/>
           <p:cNvSpPr>
             <a:spLocks noGrp="1"/>
           </p:cNvSpPr>
@@ -4109,7 +4109,7 @@
       </p:sp>
       <p:sp>
         <p:nvSpPr>
-          <p:cNvPr id="124" name="PlaceHolder 6"/>
+          <p:cNvPr id="123" name="PlaceHolder 6"/>
           <p:cNvSpPr>
             <a:spLocks noGrp="1"/>
           </p:cNvSpPr>
@@ -4139,7 +4139,7 @@
       </p:sp>
       <p:sp>
         <p:nvSpPr>
-          <p:cNvPr id="125" name="PlaceHolder 7"/>
+          <p:cNvPr id="124" name="PlaceHolder 7"/>
           <p:cNvSpPr>
             <a:spLocks noGrp="1"/>
           </p:cNvSpPr>
@@ -4213,7 +4213,7 @@
       </p:grpSpPr>
       <p:sp>
         <p:nvSpPr>
-          <p:cNvPr id="131" name="PlaceHolder 1"/>
+          <p:cNvPr id="130" name="PlaceHolder 1"/>
           <p:cNvSpPr>
             <a:spLocks noGrp="1"/>
           </p:cNvSpPr>
@@ -4244,7 +4244,7 @@
       </p:sp>
       <p:sp>
         <p:nvSpPr>
-          <p:cNvPr id="132" name="PlaceHolder 2"/>
+          <p:cNvPr id="131" name="PlaceHolder 2"/>
           <p:cNvSpPr>
             <a:spLocks noGrp="1"/>
           </p:cNvSpPr>
@@ -4297,7 +4297,7 @@
       </p:grpSpPr>
       <p:sp>
         <p:nvSpPr>
-          <p:cNvPr id="133" name="PlaceHolder 1"/>
+          <p:cNvPr id="132" name="PlaceHolder 1"/>
           <p:cNvSpPr>
             <a:spLocks noGrp="1"/>
           </p:cNvSpPr>
@@ -4328,7 +4328,7 @@
       </p:sp>
       <p:sp>
         <p:nvSpPr>
-          <p:cNvPr id="134" name="PlaceHolder 2"/>
+          <p:cNvPr id="133" name="PlaceHolder 2"/>
           <p:cNvSpPr>
             <a:spLocks noGrp="1"/>
           </p:cNvSpPr>
@@ -4380,7 +4380,7 @@
       </p:grpSpPr>
       <p:sp>
         <p:nvSpPr>
-          <p:cNvPr id="12" name="PlaceHolder 1"/>
+          <p:cNvPr id="11" name="PlaceHolder 1"/>
           <p:cNvSpPr>
             <a:spLocks noGrp="1"/>
           </p:cNvSpPr>
@@ -4411,7 +4411,7 @@
       </p:sp>
       <p:sp>
         <p:nvSpPr>
-          <p:cNvPr id="13" name="PlaceHolder 2"/>
+          <p:cNvPr id="12" name="PlaceHolder 2"/>
           <p:cNvSpPr>
             <a:spLocks noGrp="1"/>
           </p:cNvSpPr>
@@ -4441,7 +4441,7 @@
       </p:sp>
       <p:sp>
         <p:nvSpPr>
-          <p:cNvPr id="14" name="PlaceHolder 3"/>
+          <p:cNvPr id="13" name="PlaceHolder 3"/>
           <p:cNvSpPr>
             <a:spLocks noGrp="1"/>
           </p:cNvSpPr>
@@ -4493,7 +4493,7 @@
       </p:grpSpPr>
       <p:sp>
         <p:nvSpPr>
-          <p:cNvPr id="135" name="PlaceHolder 1"/>
+          <p:cNvPr id="134" name="PlaceHolder 1"/>
           <p:cNvSpPr>
             <a:spLocks noGrp="1"/>
           </p:cNvSpPr>
@@ -4524,7 +4524,7 @@
       </p:sp>
       <p:sp>
         <p:nvSpPr>
-          <p:cNvPr id="136" name="PlaceHolder 2"/>
+          <p:cNvPr id="135" name="PlaceHolder 2"/>
           <p:cNvSpPr>
             <a:spLocks noGrp="1"/>
           </p:cNvSpPr>
@@ -4554,7 +4554,7 @@
       </p:sp>
       <p:sp>
         <p:nvSpPr>
-          <p:cNvPr id="137" name="PlaceHolder 3"/>
+          <p:cNvPr id="136" name="PlaceHolder 3"/>
           <p:cNvSpPr>
             <a:spLocks noGrp="1"/>
           </p:cNvSpPr>
@@ -4606,7 +4606,7 @@
       </p:grpSpPr>
       <p:sp>
         <p:nvSpPr>
-          <p:cNvPr id="138" name="PlaceHolder 1"/>
+          <p:cNvPr id="137" name="PlaceHolder 1"/>
           <p:cNvSpPr>
             <a:spLocks noGrp="1"/>
           </p:cNvSpPr>
@@ -4659,7 +4659,7 @@
       </p:grpSpPr>
       <p:sp>
         <p:nvSpPr>
-          <p:cNvPr id="139" name="PlaceHolder 1"/>
+          <p:cNvPr id="138" name="PlaceHolder 1"/>
           <p:cNvSpPr>
             <a:spLocks noGrp="1"/>
           </p:cNvSpPr>
@@ -4712,7 +4712,7 @@
       </p:grpSpPr>
       <p:sp>
         <p:nvSpPr>
-          <p:cNvPr id="140" name="PlaceHolder 1"/>
+          <p:cNvPr id="139" name="PlaceHolder 1"/>
           <p:cNvSpPr>
             <a:spLocks noGrp="1"/>
           </p:cNvSpPr>
@@ -4743,7 +4743,7 @@
       </p:sp>
       <p:sp>
         <p:nvSpPr>
-          <p:cNvPr id="141" name="PlaceHolder 2"/>
+          <p:cNvPr id="140" name="PlaceHolder 2"/>
           <p:cNvSpPr>
             <a:spLocks noGrp="1"/>
           </p:cNvSpPr>
@@ -4773,7 +4773,7 @@
       </p:sp>
       <p:sp>
         <p:nvSpPr>
-          <p:cNvPr id="142" name="PlaceHolder 3"/>
+          <p:cNvPr id="141" name="PlaceHolder 3"/>
           <p:cNvSpPr>
             <a:spLocks noGrp="1"/>
           </p:cNvSpPr>
@@ -4803,7 +4803,7 @@
       </p:sp>
       <p:sp>
         <p:nvSpPr>
-          <p:cNvPr id="143" name="PlaceHolder 4"/>
+          <p:cNvPr id="142" name="PlaceHolder 4"/>
           <p:cNvSpPr>
             <a:spLocks noGrp="1"/>
           </p:cNvSpPr>
@@ -4855,7 +4855,7 @@
       </p:grpSpPr>
       <p:sp>
         <p:nvSpPr>
-          <p:cNvPr id="144" name="PlaceHolder 1"/>
+          <p:cNvPr id="143" name="PlaceHolder 1"/>
           <p:cNvSpPr>
             <a:spLocks noGrp="1"/>
           </p:cNvSpPr>
@@ -4886,7 +4886,7 @@
       </p:sp>
       <p:sp>
         <p:nvSpPr>
-          <p:cNvPr id="145" name="PlaceHolder 2"/>
+          <p:cNvPr id="144" name="PlaceHolder 2"/>
           <p:cNvSpPr>
             <a:spLocks noGrp="1"/>
           </p:cNvSpPr>
@@ -4916,7 +4916,7 @@
       </p:sp>
       <p:sp>
         <p:nvSpPr>
-          <p:cNvPr id="146" name="PlaceHolder 3"/>
+          <p:cNvPr id="145" name="PlaceHolder 3"/>
           <p:cNvSpPr>
             <a:spLocks noGrp="1"/>
           </p:cNvSpPr>
@@ -4946,7 +4946,7 @@
       </p:sp>
       <p:sp>
         <p:nvSpPr>
-          <p:cNvPr id="147" name="PlaceHolder 4"/>
+          <p:cNvPr id="146" name="PlaceHolder 4"/>
           <p:cNvSpPr>
             <a:spLocks noGrp="1"/>
           </p:cNvSpPr>
@@ -4998,7 +4998,7 @@
       </p:grpSpPr>
       <p:sp>
         <p:nvSpPr>
-          <p:cNvPr id="148" name="PlaceHolder 1"/>
+          <p:cNvPr id="147" name="PlaceHolder 1"/>
           <p:cNvSpPr>
             <a:spLocks noGrp="1"/>
           </p:cNvSpPr>
@@ -5029,7 +5029,7 @@
       </p:sp>
       <p:sp>
         <p:nvSpPr>
-          <p:cNvPr id="149" name="PlaceHolder 2"/>
+          <p:cNvPr id="148" name="PlaceHolder 2"/>
           <p:cNvSpPr>
             <a:spLocks noGrp="1"/>
           </p:cNvSpPr>
@@ -5059,7 +5059,7 @@
       </p:sp>
       <p:sp>
         <p:nvSpPr>
-          <p:cNvPr id="150" name="PlaceHolder 3"/>
+          <p:cNvPr id="149" name="PlaceHolder 3"/>
           <p:cNvSpPr>
             <a:spLocks noGrp="1"/>
           </p:cNvSpPr>
@@ -5089,7 +5089,7 @@
       </p:sp>
       <p:sp>
         <p:nvSpPr>
-          <p:cNvPr id="151" name="PlaceHolder 4"/>
+          <p:cNvPr id="150" name="PlaceHolder 4"/>
           <p:cNvSpPr>
             <a:spLocks noGrp="1"/>
           </p:cNvSpPr>
@@ -5141,7 +5141,7 @@
       </p:grpSpPr>
       <p:sp>
         <p:nvSpPr>
-          <p:cNvPr id="152" name="PlaceHolder 1"/>
+          <p:cNvPr id="151" name="PlaceHolder 1"/>
           <p:cNvSpPr>
             <a:spLocks noGrp="1"/>
           </p:cNvSpPr>
@@ -5172,7 +5172,7 @@
       </p:sp>
       <p:sp>
         <p:nvSpPr>
-          <p:cNvPr id="153" name="PlaceHolder 2"/>
+          <p:cNvPr id="152" name="PlaceHolder 2"/>
           <p:cNvSpPr>
             <a:spLocks noGrp="1"/>
           </p:cNvSpPr>
@@ -5202,7 +5202,7 @@
       </p:sp>
       <p:sp>
         <p:nvSpPr>
-          <p:cNvPr id="154" name="PlaceHolder 3"/>
+          <p:cNvPr id="153" name="PlaceHolder 3"/>
           <p:cNvSpPr>
             <a:spLocks noGrp="1"/>
           </p:cNvSpPr>
@@ -5254,7 +5254,7 @@
       </p:grpSpPr>
       <p:sp>
         <p:nvSpPr>
-          <p:cNvPr id="155" name="PlaceHolder 1"/>
+          <p:cNvPr id="154" name="PlaceHolder 1"/>
           <p:cNvSpPr>
             <a:spLocks noGrp="1"/>
           </p:cNvSpPr>
@@ -5285,7 +5285,7 @@
       </p:sp>
       <p:sp>
         <p:nvSpPr>
-          <p:cNvPr id="156" name="PlaceHolder 2"/>
+          <p:cNvPr id="155" name="PlaceHolder 2"/>
           <p:cNvSpPr>
             <a:spLocks noGrp="1"/>
           </p:cNvSpPr>
@@ -5315,7 +5315,7 @@
       </p:sp>
       <p:sp>
         <p:nvSpPr>
-          <p:cNvPr id="157" name="PlaceHolder 3"/>
+          <p:cNvPr id="156" name="PlaceHolder 3"/>
           <p:cNvSpPr>
             <a:spLocks noGrp="1"/>
           </p:cNvSpPr>
@@ -5345,7 +5345,7 @@
       </p:sp>
       <p:sp>
         <p:nvSpPr>
-          <p:cNvPr id="158" name="PlaceHolder 4"/>
+          <p:cNvPr id="157" name="PlaceHolder 4"/>
           <p:cNvSpPr>
             <a:spLocks noGrp="1"/>
           </p:cNvSpPr>
@@ -5375,7 +5375,7 @@
       </p:sp>
       <p:sp>
         <p:nvSpPr>
-          <p:cNvPr id="159" name="PlaceHolder 5"/>
+          <p:cNvPr id="158" name="PlaceHolder 5"/>
           <p:cNvSpPr>
             <a:spLocks noGrp="1"/>
           </p:cNvSpPr>
@@ -5427,7 +5427,7 @@
       </p:grpSpPr>
       <p:sp>
         <p:nvSpPr>
-          <p:cNvPr id="160" name="PlaceHolder 1"/>
+          <p:cNvPr id="159" name="PlaceHolder 1"/>
           <p:cNvSpPr>
             <a:spLocks noGrp="1"/>
           </p:cNvSpPr>
@@ -5458,7 +5458,7 @@
       </p:sp>
       <p:sp>
         <p:nvSpPr>
-          <p:cNvPr id="161" name="PlaceHolder 2"/>
+          <p:cNvPr id="160" name="PlaceHolder 2"/>
           <p:cNvSpPr>
             <a:spLocks noGrp="1"/>
           </p:cNvSpPr>
@@ -5488,7 +5488,7 @@
       </p:sp>
       <p:sp>
         <p:nvSpPr>
-          <p:cNvPr id="162" name="PlaceHolder 3"/>
+          <p:cNvPr id="161" name="PlaceHolder 3"/>
           <p:cNvSpPr>
             <a:spLocks noGrp="1"/>
           </p:cNvSpPr>
@@ -5518,7 +5518,7 @@
       </p:sp>
       <p:sp>
         <p:nvSpPr>
-          <p:cNvPr id="163" name="PlaceHolder 4"/>
+          <p:cNvPr id="162" name="PlaceHolder 4"/>
           <p:cNvSpPr>
             <a:spLocks noGrp="1"/>
           </p:cNvSpPr>
@@ -5548,7 +5548,7 @@
       </p:sp>
       <p:sp>
         <p:nvSpPr>
-          <p:cNvPr id="164" name="PlaceHolder 5"/>
+          <p:cNvPr id="163" name="PlaceHolder 5"/>
           <p:cNvSpPr>
             <a:spLocks noGrp="1"/>
           </p:cNvSpPr>
@@ -5578,7 +5578,7 @@
       </p:sp>
       <p:sp>
         <p:nvSpPr>
-          <p:cNvPr id="165" name="PlaceHolder 6"/>
+          <p:cNvPr id="164" name="PlaceHolder 6"/>
           <p:cNvSpPr>
             <a:spLocks noGrp="1"/>
           </p:cNvSpPr>
@@ -5608,7 +5608,7 @@
       </p:sp>
       <p:sp>
         <p:nvSpPr>
-          <p:cNvPr id="166" name="PlaceHolder 7"/>
+          <p:cNvPr id="165" name="PlaceHolder 7"/>
           <p:cNvSpPr>
             <a:spLocks noGrp="1"/>
           </p:cNvSpPr>
@@ -5660,7 +5660,7 @@
       </p:grpSpPr>
       <p:sp>
         <p:nvSpPr>
-          <p:cNvPr id="15" name="PlaceHolder 1"/>
+          <p:cNvPr id="14" name="PlaceHolder 1"/>
           <p:cNvSpPr>
             <a:spLocks noGrp="1"/>
           </p:cNvSpPr>
@@ -5713,7 +5713,7 @@
       </p:grpSpPr>
       <p:sp>
         <p:nvSpPr>
-          <p:cNvPr id="16" name="PlaceHolder 1"/>
+          <p:cNvPr id="15" name="PlaceHolder 1"/>
           <p:cNvSpPr>
             <a:spLocks noGrp="1"/>
           </p:cNvSpPr>
@@ -5766,7 +5766,7 @@
       </p:grpSpPr>
       <p:sp>
         <p:nvSpPr>
-          <p:cNvPr id="17" name="PlaceHolder 1"/>
+          <p:cNvPr id="16" name="PlaceHolder 1"/>
           <p:cNvSpPr>
             <a:spLocks noGrp="1"/>
           </p:cNvSpPr>
@@ -5797,7 +5797,7 @@
       </p:sp>
       <p:sp>
         <p:nvSpPr>
-          <p:cNvPr id="18" name="PlaceHolder 2"/>
+          <p:cNvPr id="17" name="PlaceHolder 2"/>
           <p:cNvSpPr>
             <a:spLocks noGrp="1"/>
           </p:cNvSpPr>
@@ -5827,7 +5827,7 @@
       </p:sp>
       <p:sp>
         <p:nvSpPr>
-          <p:cNvPr id="19" name="PlaceHolder 3"/>
+          <p:cNvPr id="18" name="PlaceHolder 3"/>
           <p:cNvSpPr>
             <a:spLocks noGrp="1"/>
           </p:cNvSpPr>
@@ -5857,7 +5857,7 @@
       </p:sp>
       <p:sp>
         <p:nvSpPr>
-          <p:cNvPr id="20" name="PlaceHolder 4"/>
+          <p:cNvPr id="19" name="PlaceHolder 4"/>
           <p:cNvSpPr>
             <a:spLocks noGrp="1"/>
           </p:cNvSpPr>
@@ -5909,7 +5909,7 @@
       </p:grpSpPr>
       <p:sp>
         <p:nvSpPr>
-          <p:cNvPr id="21" name="PlaceHolder 1"/>
+          <p:cNvPr id="20" name="PlaceHolder 1"/>
           <p:cNvSpPr>
             <a:spLocks noGrp="1"/>
           </p:cNvSpPr>
@@ -5940,7 +5940,7 @@
       </p:sp>
       <p:sp>
         <p:nvSpPr>
-          <p:cNvPr id="22" name="PlaceHolder 2"/>
+          <p:cNvPr id="21" name="PlaceHolder 2"/>
           <p:cNvSpPr>
             <a:spLocks noGrp="1"/>
           </p:cNvSpPr>
@@ -5970,7 +5970,7 @@
       </p:sp>
       <p:sp>
         <p:nvSpPr>
-          <p:cNvPr id="23" name="PlaceHolder 3"/>
+          <p:cNvPr id="22" name="PlaceHolder 3"/>
           <p:cNvSpPr>
             <a:spLocks noGrp="1"/>
           </p:cNvSpPr>
@@ -6000,7 +6000,7 @@
       </p:sp>
       <p:sp>
         <p:nvSpPr>
-          <p:cNvPr id="24" name="PlaceHolder 4"/>
+          <p:cNvPr id="23" name="PlaceHolder 4"/>
           <p:cNvSpPr>
             <a:spLocks noGrp="1"/>
           </p:cNvSpPr>
@@ -6052,7 +6052,7 @@
       </p:grpSpPr>
       <p:sp>
         <p:nvSpPr>
-          <p:cNvPr id="25" name="PlaceHolder 1"/>
+          <p:cNvPr id="24" name="PlaceHolder 1"/>
           <p:cNvSpPr>
             <a:spLocks noGrp="1"/>
           </p:cNvSpPr>
@@ -6083,7 +6083,7 @@
       </p:sp>
       <p:sp>
         <p:nvSpPr>
-          <p:cNvPr id="26" name="PlaceHolder 2"/>
+          <p:cNvPr id="25" name="PlaceHolder 2"/>
           <p:cNvSpPr>
             <a:spLocks noGrp="1"/>
           </p:cNvSpPr>
@@ -6113,7 +6113,7 @@
       </p:sp>
       <p:sp>
         <p:nvSpPr>
-          <p:cNvPr id="27" name="PlaceHolder 3"/>
+          <p:cNvPr id="26" name="PlaceHolder 3"/>
           <p:cNvSpPr>
             <a:spLocks noGrp="1"/>
           </p:cNvSpPr>
@@ -6143,7 +6143,7 @@
       </p:sp>
       <p:sp>
         <p:nvSpPr>
-          <p:cNvPr id="28" name="PlaceHolder 4"/>
+          <p:cNvPr id="27" name="PlaceHolder 4"/>
           <p:cNvSpPr>
             <a:spLocks noGrp="1"/>
           </p:cNvSpPr>
@@ -6202,261 +6202,7 @@
       </p:grpSpPr>
       <p:sp>
         <p:nvSpPr>
-          <p:cNvPr id="0" name="CustomShape 1" hidden="1"/>
-          <p:cNvSpPr/>
-          <p:nvPr/>
-        </p:nvSpPr>
-        <p:spPr>
-          <a:xfrm>
-            <a:off x="0" y="6400800"/>
-            <a:ext cx="12191400" cy="456480"/>
-          </a:xfrm>
-          <a:prstGeom prst="rect">
-            <a:avLst/>
-          </a:prstGeom>
-          <a:solidFill>
-            <a:schemeClr val="accent2"/>
-          </a:solidFill>
-          <a:ln>
-            <a:noFill/>
-          </a:ln>
-        </p:spPr>
-        <p:style>
-          <a:lnRef idx="2">
-            <a:schemeClr val="accent1">
-              <a:shade val="50000"/>
-            </a:schemeClr>
-          </a:lnRef>
-          <a:fillRef idx="1">
-            <a:schemeClr val="accent1"/>
-          </a:fillRef>
-          <a:effectRef idx="0">
-            <a:schemeClr val="accent1"/>
-          </a:effectRef>
-          <a:fontRef idx="minor"/>
-        </p:style>
-      </p:sp>
-      <p:sp>
-        <p:nvSpPr>
-          <p:cNvPr id="1" name="CustomShape 2" hidden="1"/>
-          <p:cNvSpPr/>
-          <p:nvPr/>
-        </p:nvSpPr>
-        <p:spPr>
-          <a:xfrm>
-            <a:off x="0" y="6334200"/>
-            <a:ext cx="12191400" cy="65160"/>
-          </a:xfrm>
-          <a:prstGeom prst="rect">
-            <a:avLst/>
-          </a:prstGeom>
-          <a:solidFill>
-            <a:schemeClr val="accent1"/>
-          </a:solidFill>
-          <a:ln>
-            <a:noFill/>
-          </a:ln>
-        </p:spPr>
-        <p:style>
-          <a:lnRef idx="2">
-            <a:schemeClr val="accent1">
-              <a:shade val="50000"/>
-            </a:schemeClr>
-          </a:lnRef>
-          <a:fillRef idx="1">
-            <a:schemeClr val="accent1"/>
-          </a:fillRef>
-          <a:effectRef idx="0">
-            <a:schemeClr val="accent1"/>
-          </a:effectRef>
-          <a:fontRef idx="minor"/>
-        </p:style>
-      </p:sp>
-      <p:sp>
-        <p:nvSpPr>
-          <p:cNvPr id="2" name="Line 3"/>
-          <p:cNvSpPr/>
-          <p:nvPr/>
-        </p:nvSpPr>
-        <p:spPr>
-          <a:xfrm>
-            <a:off x="1193400" y="1737720"/>
-            <a:ext cx="9966960" cy="0"/>
-          </a:xfrm>
-          <a:prstGeom prst="line">
-            <a:avLst/>
-          </a:prstGeom>
-          <a:ln w="6480">
-            <a:solidFill>
-              <a:schemeClr val="tx1">
-                <a:lumMod val="50000"/>
-                <a:lumOff val="50000"/>
-              </a:schemeClr>
-            </a:solidFill>
-            <a:round/>
-          </a:ln>
-        </p:spPr>
-        <p:style>
-          <a:lnRef idx="1">
-            <a:schemeClr val="accent1"/>
-          </a:lnRef>
-          <a:fillRef idx="0">
-            <a:schemeClr val="accent1"/>
-          </a:fillRef>
-          <a:effectRef idx="0">
-            <a:schemeClr val="accent1"/>
-          </a:effectRef>
-          <a:fontRef idx="minor"/>
-        </p:style>
-      </p:sp>
-      <p:sp>
-        <p:nvSpPr>
-          <p:cNvPr id="3" name="CustomShape 4"/>
-          <p:cNvSpPr/>
-          <p:nvPr/>
-        </p:nvSpPr>
-        <p:spPr>
-          <a:xfrm>
-            <a:off x="3240" y="6400800"/>
-            <a:ext cx="12188160" cy="456480"/>
-          </a:xfrm>
-          <a:prstGeom prst="rect">
-            <a:avLst/>
-          </a:prstGeom>
-          <a:solidFill>
-            <a:schemeClr val="accent2"/>
-          </a:solidFill>
-          <a:ln>
-            <a:noFill/>
-          </a:ln>
-        </p:spPr>
-        <p:style>
-          <a:lnRef idx="2">
-            <a:schemeClr val="accent1">
-              <a:shade val="50000"/>
-            </a:schemeClr>
-          </a:lnRef>
-          <a:fillRef idx="1">
-            <a:schemeClr val="accent1"/>
-          </a:fillRef>
-          <a:effectRef idx="0">
-            <a:schemeClr val="accent1"/>
-          </a:effectRef>
-          <a:fontRef idx="minor"/>
-        </p:style>
-      </p:sp>
-      <p:sp>
-        <p:nvSpPr>
-          <p:cNvPr id="4" name="CustomShape 5"/>
-          <p:cNvSpPr/>
-          <p:nvPr/>
-        </p:nvSpPr>
-        <p:spPr>
-          <a:xfrm>
-            <a:off x="0" y="6334200"/>
-            <a:ext cx="12188160" cy="63360"/>
-          </a:xfrm>
-          <a:prstGeom prst="rect">
-            <a:avLst/>
-          </a:prstGeom>
-          <a:solidFill>
-            <a:schemeClr val="accent1"/>
-          </a:solidFill>
-          <a:ln>
-            <a:noFill/>
-          </a:ln>
-        </p:spPr>
-        <p:style>
-          <a:lnRef idx="2">
-            <a:schemeClr val="accent1">
-              <a:shade val="50000"/>
-            </a:schemeClr>
-          </a:lnRef>
-          <a:fillRef idx="1">
-            <a:schemeClr val="accent1"/>
-          </a:fillRef>
-          <a:effectRef idx="0">
-            <a:schemeClr val="accent1"/>
-          </a:effectRef>
-          <a:fontRef idx="minor"/>
-        </p:style>
-      </p:sp>
-      <p:sp>
-        <p:nvSpPr>
-          <p:cNvPr id="5" name="Line 6"/>
-          <p:cNvSpPr/>
-          <p:nvPr/>
-        </p:nvSpPr>
-        <p:spPr>
-          <a:xfrm>
-            <a:off x="1207440" y="4343400"/>
-            <a:ext cx="9875520" cy="0"/>
-          </a:xfrm>
-          <a:prstGeom prst="line">
-            <a:avLst/>
-          </a:prstGeom>
-          <a:ln w="6480">
-            <a:solidFill>
-              <a:schemeClr val="tx1">
-                <a:lumMod val="50000"/>
-                <a:lumOff val="50000"/>
-              </a:schemeClr>
-            </a:solidFill>
-            <a:round/>
-          </a:ln>
-        </p:spPr>
-        <p:style>
-          <a:lnRef idx="1">
-            <a:schemeClr val="accent1"/>
-          </a:lnRef>
-          <a:fillRef idx="0">
-            <a:schemeClr val="accent1"/>
-          </a:fillRef>
-          <a:effectRef idx="0">
-            <a:schemeClr val="accent1"/>
-          </a:effectRef>
-          <a:fontRef idx="minor"/>
-        </p:style>
-      </p:sp>
-      <p:sp>
-        <p:nvSpPr>
-          <p:cNvPr id="6" name="PlaceHolder 7"/>
-          <p:cNvSpPr>
-            <a:spLocks noGrp="1"/>
-          </p:cNvSpPr>
-          <p:nvPr>
-            <p:ph type="title"/>
-          </p:nvPr>
-        </p:nvSpPr>
-        <p:spPr>
-          <a:xfrm>
-            <a:off x="1097280" y="80280"/>
-            <a:ext cx="10057680" cy="1350000"/>
-          </a:xfrm>
-          <a:prstGeom prst="rect">
-            <a:avLst/>
-          </a:prstGeom>
-        </p:spPr>
-        <p:txBody>
-          <a:bodyPr lIns="0" rIns="0" tIns="0" bIns="0" anchor="ctr">
-            <a:noAutofit/>
-          </a:bodyPr>
-          <a:p>
-            <a:r>
-              <a:rPr b="0" lang="ru-RU" sz="1800" spc="-1" strike="noStrike">
-                <a:latin typeface="Arial"/>
-              </a:rPr>
-              <a:t>Для правки текста заглавия щёлкните мышью</a:t>
-            </a:r>
-            <a:endParaRPr b="0" lang="ru-RU" sz="1800" spc="-1" strike="noStrike">
-              <a:latin typeface="Arial"/>
-            </a:endParaRPr>
-          </a:p>
-        </p:txBody>
-      </p:sp>
-      <p:sp>
-        <p:nvSpPr>
-          <p:cNvPr id="7" name="PlaceHolder 8"/>
+          <p:cNvPr id="0" name="PlaceHolder 1"/>
           <p:cNvSpPr>
             <a:spLocks noGrp="1"/>
           </p:cNvSpPr>
@@ -6628,6 +6374,223 @@
               <a:t>Седьмой уровень структуры</a:t>
             </a:r>
             <a:endParaRPr b="0" lang="ru-RU" sz="2000" spc="-1" strike="noStrike">
+              <a:latin typeface="Arial"/>
+            </a:endParaRPr>
+          </a:p>
+        </p:txBody>
+      </p:sp>
+      <p:sp>
+        <p:nvSpPr>
+          <p:cNvPr id="1" name="CustomShape 2" hidden="1"/>
+          <p:cNvSpPr/>
+          <p:nvPr/>
+        </p:nvSpPr>
+        <p:spPr>
+          <a:xfrm>
+            <a:off x="0" y="6400800"/>
+            <a:ext cx="12191400" cy="456480"/>
+          </a:xfrm>
+          <a:prstGeom prst="rect">
+            <a:avLst/>
+          </a:prstGeom>
+          <a:solidFill>
+            <a:schemeClr val="accent2"/>
+          </a:solidFill>
+          <a:ln>
+            <a:noFill/>
+          </a:ln>
+        </p:spPr>
+        <p:style>
+          <a:lnRef idx="2">
+            <a:schemeClr val="accent1">
+              <a:shade val="50000"/>
+            </a:schemeClr>
+          </a:lnRef>
+          <a:fillRef idx="1">
+            <a:schemeClr val="accent1"/>
+          </a:fillRef>
+          <a:effectRef idx="0">
+            <a:schemeClr val="accent1"/>
+          </a:effectRef>
+          <a:fontRef idx="minor"/>
+        </p:style>
+      </p:sp>
+      <p:sp>
+        <p:nvSpPr>
+          <p:cNvPr id="2" name="CustomShape 3" hidden="1"/>
+          <p:cNvSpPr/>
+          <p:nvPr/>
+        </p:nvSpPr>
+        <p:spPr>
+          <a:xfrm>
+            <a:off x="0" y="6334200"/>
+            <a:ext cx="12191400" cy="65160"/>
+          </a:xfrm>
+          <a:prstGeom prst="rect">
+            <a:avLst/>
+          </a:prstGeom>
+          <a:solidFill>
+            <a:schemeClr val="accent1"/>
+          </a:solidFill>
+          <a:ln>
+            <a:noFill/>
+          </a:ln>
+        </p:spPr>
+        <p:style>
+          <a:lnRef idx="2">
+            <a:schemeClr val="accent1">
+              <a:shade val="50000"/>
+            </a:schemeClr>
+          </a:lnRef>
+          <a:fillRef idx="1">
+            <a:schemeClr val="accent1"/>
+          </a:fillRef>
+          <a:effectRef idx="0">
+            <a:schemeClr val="accent1"/>
+          </a:effectRef>
+          <a:fontRef idx="minor"/>
+        </p:style>
+      </p:sp>
+      <p:sp>
+        <p:nvSpPr>
+          <p:cNvPr id="3" name="CustomShape 4"/>
+          <p:cNvSpPr/>
+          <p:nvPr/>
+        </p:nvSpPr>
+        <p:spPr>
+          <a:xfrm>
+            <a:off x="3240" y="6400800"/>
+            <a:ext cx="12188160" cy="456480"/>
+          </a:xfrm>
+          <a:prstGeom prst="rect">
+            <a:avLst/>
+          </a:prstGeom>
+          <a:solidFill>
+            <a:schemeClr val="accent2"/>
+          </a:solidFill>
+          <a:ln>
+            <a:noFill/>
+          </a:ln>
+        </p:spPr>
+        <p:style>
+          <a:lnRef idx="2">
+            <a:schemeClr val="accent1">
+              <a:shade val="50000"/>
+            </a:schemeClr>
+          </a:lnRef>
+          <a:fillRef idx="1">
+            <a:schemeClr val="accent1"/>
+          </a:fillRef>
+          <a:effectRef idx="0">
+            <a:schemeClr val="accent1"/>
+          </a:effectRef>
+          <a:fontRef idx="minor"/>
+        </p:style>
+      </p:sp>
+      <p:sp>
+        <p:nvSpPr>
+          <p:cNvPr id="4" name="CustomShape 5"/>
+          <p:cNvSpPr/>
+          <p:nvPr/>
+        </p:nvSpPr>
+        <p:spPr>
+          <a:xfrm>
+            <a:off x="0" y="6334200"/>
+            <a:ext cx="12188160" cy="63360"/>
+          </a:xfrm>
+          <a:prstGeom prst="rect">
+            <a:avLst/>
+          </a:prstGeom>
+          <a:solidFill>
+            <a:schemeClr val="accent1"/>
+          </a:solidFill>
+          <a:ln>
+            <a:noFill/>
+          </a:ln>
+        </p:spPr>
+        <p:style>
+          <a:lnRef idx="2">
+            <a:schemeClr val="accent1">
+              <a:shade val="50000"/>
+            </a:schemeClr>
+          </a:lnRef>
+          <a:fillRef idx="1">
+            <a:schemeClr val="accent1"/>
+          </a:fillRef>
+          <a:effectRef idx="0">
+            <a:schemeClr val="accent1"/>
+          </a:effectRef>
+          <a:fontRef idx="minor"/>
+        </p:style>
+      </p:sp>
+      <p:sp>
+        <p:nvSpPr>
+          <p:cNvPr id="5" name="Line 6"/>
+          <p:cNvSpPr/>
+          <p:nvPr/>
+        </p:nvSpPr>
+        <p:spPr>
+          <a:xfrm>
+            <a:off x="1207440" y="4343400"/>
+            <a:ext cx="9875520" cy="0"/>
+          </a:xfrm>
+          <a:prstGeom prst="line">
+            <a:avLst/>
+          </a:prstGeom>
+          <a:ln w="6480">
+            <a:solidFill>
+              <a:schemeClr val="tx1">
+                <a:lumMod val="50000"/>
+                <a:lumOff val="50000"/>
+              </a:schemeClr>
+            </a:solidFill>
+            <a:round/>
+          </a:ln>
+        </p:spPr>
+        <p:style>
+          <a:lnRef idx="1">
+            <a:schemeClr val="accent1"/>
+          </a:lnRef>
+          <a:fillRef idx="0">
+            <a:schemeClr val="accent1"/>
+          </a:fillRef>
+          <a:effectRef idx="0">
+            <a:schemeClr val="accent1"/>
+          </a:effectRef>
+          <a:fontRef idx="minor"/>
+        </p:style>
+      </p:sp>
+      <p:sp>
+        <p:nvSpPr>
+          <p:cNvPr id="6" name="PlaceHolder 7"/>
+          <p:cNvSpPr>
+            <a:spLocks noGrp="1"/>
+          </p:cNvSpPr>
+          <p:nvPr>
+            <p:ph type="title"/>
+          </p:nvPr>
+        </p:nvSpPr>
+        <p:spPr>
+          <a:xfrm>
+            <a:off x="1097280" y="80280"/>
+            <a:ext cx="10057680" cy="1350000"/>
+          </a:xfrm>
+          <a:prstGeom prst="rect">
+            <a:avLst/>
+          </a:prstGeom>
+        </p:spPr>
+        <p:txBody>
+          <a:bodyPr lIns="0" rIns="0" tIns="0" bIns="0" anchor="ctr">
+            <a:noAutofit/>
+          </a:bodyPr>
+          <a:p>
+            <a:r>
+              <a:rPr b="0" lang="ru-RU" sz="1800" spc="-1" strike="noStrike">
+                <a:latin typeface="Arial"/>
+              </a:rPr>
+              <a:t>Для правки текста заглавия щёлкните мышью</a:t>
+            </a:r>
+            <a:endParaRPr b="0" lang="ru-RU" sz="1800" spc="-1" strike="noStrike">
               <a:latin typeface="Arial"/>
             </a:endParaRPr>
           </a:p>
@@ -6679,7 +6642,7 @@
       </p:grpSpPr>
       <p:sp>
         <p:nvSpPr>
-          <p:cNvPr id="44" name="CustomShape 1"/>
+          <p:cNvPr id="43" name="CustomShape 1"/>
           <p:cNvSpPr/>
           <p:nvPr/>
         </p:nvSpPr>
@@ -6715,7 +6678,7 @@
       </p:sp>
       <p:sp>
         <p:nvSpPr>
-          <p:cNvPr id="45" name="CustomShape 2"/>
+          <p:cNvPr id="44" name="CustomShape 2"/>
           <p:cNvSpPr/>
           <p:nvPr/>
         </p:nvSpPr>
@@ -6751,7 +6714,7 @@
       </p:sp>
       <p:sp>
         <p:nvSpPr>
-          <p:cNvPr id="46" name="Line 3"/>
+          <p:cNvPr id="45" name="Line 3"/>
           <p:cNvSpPr/>
           <p:nvPr/>
         </p:nvSpPr>
@@ -6788,7 +6751,7 @@
       </p:sp>
       <p:sp>
         <p:nvSpPr>
-          <p:cNvPr id="47" name="PlaceHolder 4"/>
+          <p:cNvPr id="46" name="PlaceHolder 4"/>
           <p:cNvSpPr>
             <a:spLocks noGrp="1"/>
           </p:cNvSpPr>
@@ -6825,7 +6788,7 @@
       </p:sp>
       <p:sp>
         <p:nvSpPr>
-          <p:cNvPr id="48" name="PlaceHolder 5"/>
+          <p:cNvPr id="47" name="PlaceHolder 5"/>
           <p:cNvSpPr>
             <a:spLocks noGrp="1"/>
           </p:cNvSpPr>
@@ -7048,7 +7011,7 @@
       </p:grpSpPr>
       <p:sp>
         <p:nvSpPr>
-          <p:cNvPr id="85" name="CustomShape 1"/>
+          <p:cNvPr id="84" name="CustomShape 1"/>
           <p:cNvSpPr/>
           <p:nvPr/>
         </p:nvSpPr>
@@ -7084,7 +7047,7 @@
       </p:sp>
       <p:sp>
         <p:nvSpPr>
-          <p:cNvPr id="86" name="CustomShape 2"/>
+          <p:cNvPr id="85" name="CustomShape 2"/>
           <p:cNvSpPr/>
           <p:nvPr/>
         </p:nvSpPr>
@@ -7120,7 +7083,7 @@
       </p:sp>
       <p:sp>
         <p:nvSpPr>
-          <p:cNvPr id="87" name="Line 3"/>
+          <p:cNvPr id="86" name="Line 3"/>
           <p:cNvSpPr/>
           <p:nvPr/>
         </p:nvSpPr>
@@ -7157,7 +7120,7 @@
       </p:sp>
       <p:sp>
         <p:nvSpPr>
-          <p:cNvPr id="88" name="PlaceHolder 4"/>
+          <p:cNvPr id="87" name="PlaceHolder 4"/>
           <p:cNvSpPr>
             <a:spLocks noGrp="1"/>
           </p:cNvSpPr>
@@ -7194,7 +7157,7 @@
       </p:sp>
       <p:sp>
         <p:nvSpPr>
-          <p:cNvPr id="89" name="PlaceHolder 5"/>
+          <p:cNvPr id="88" name="PlaceHolder 5"/>
           <p:cNvSpPr>
             <a:spLocks noGrp="1"/>
           </p:cNvSpPr>
@@ -7417,7 +7380,7 @@
       </p:grpSpPr>
       <p:sp>
         <p:nvSpPr>
-          <p:cNvPr id="126" name="CustomShape 1"/>
+          <p:cNvPr id="125" name="CustomShape 1"/>
           <p:cNvSpPr/>
           <p:nvPr/>
         </p:nvSpPr>
@@ -7453,7 +7416,7 @@
       </p:sp>
       <p:sp>
         <p:nvSpPr>
-          <p:cNvPr id="127" name="CustomShape 2"/>
+          <p:cNvPr id="126" name="CustomShape 2"/>
           <p:cNvSpPr/>
           <p:nvPr/>
         </p:nvSpPr>
@@ -7489,7 +7452,7 @@
       </p:sp>
       <p:sp>
         <p:nvSpPr>
-          <p:cNvPr id="128" name="Line 3"/>
+          <p:cNvPr id="127" name="Line 3"/>
           <p:cNvSpPr/>
           <p:nvPr/>
         </p:nvSpPr>
@@ -7526,7 +7489,7 @@
       </p:sp>
       <p:sp>
         <p:nvSpPr>
-          <p:cNvPr id="129" name="PlaceHolder 4"/>
+          <p:cNvPr id="128" name="PlaceHolder 4"/>
           <p:cNvSpPr>
             <a:spLocks noGrp="1"/>
           </p:cNvSpPr>
@@ -7563,7 +7526,7 @@
       </p:sp>
       <p:sp>
         <p:nvSpPr>
-          <p:cNvPr id="130" name="PlaceHolder 5"/>
+          <p:cNvPr id="129" name="PlaceHolder 5"/>
           <p:cNvSpPr>
             <a:spLocks noGrp="1"/>
           </p:cNvSpPr>
@@ -7779,7 +7742,7 @@
       </p:grpSpPr>
       <p:sp>
         <p:nvSpPr>
-          <p:cNvPr id="173" name="CustomShape 1"/>
+          <p:cNvPr id="172" name="CustomShape 1"/>
           <p:cNvSpPr/>
           <p:nvPr/>
         </p:nvSpPr>
@@ -7846,7 +7809,7 @@
       </p:sp>
       <p:sp>
         <p:nvSpPr>
-          <p:cNvPr id="174" name="CustomShape 2"/>
+          <p:cNvPr id="173" name="CustomShape 2"/>
           <p:cNvSpPr/>
           <p:nvPr/>
         </p:nvSpPr>
@@ -7906,7 +7869,7 @@
       </p:sp>
       <p:sp>
         <p:nvSpPr>
-          <p:cNvPr id="175" name="CustomShape 3"/>
+          <p:cNvPr id="174" name="CustomShape 3"/>
           <p:cNvSpPr/>
           <p:nvPr/>
         </p:nvSpPr>
@@ -7987,7 +7950,7 @@
       </p:grpSpPr>
       <p:sp>
         <p:nvSpPr>
-          <p:cNvPr id="193" name="CustomShape 1"/>
+          <p:cNvPr id="192" name="CustomShape 1"/>
           <p:cNvSpPr/>
           <p:nvPr/>
         </p:nvSpPr>
@@ -8038,7 +8001,7 @@
       </p:sp>
       <p:pic>
         <p:nvPicPr>
-          <p:cNvPr id="194" name="" descr=""/>
+          <p:cNvPr id="193" name="" descr=""/>
           <p:cNvPicPr/>
           <p:nvPr/>
         </p:nvPicPr>
@@ -8091,7 +8054,7 @@
       </p:grpSpPr>
       <p:sp>
         <p:nvSpPr>
-          <p:cNvPr id="195" name="CustomShape 1"/>
+          <p:cNvPr id="194" name="CustomShape 1"/>
           <p:cNvSpPr/>
           <p:nvPr/>
         </p:nvSpPr>
@@ -8142,7 +8105,7 @@
       </p:sp>
       <p:pic>
         <p:nvPicPr>
-          <p:cNvPr id="196" name="" descr=""/>
+          <p:cNvPr id="195" name="" descr=""/>
           <p:cNvPicPr/>
           <p:nvPr/>
         </p:nvPicPr>
@@ -8154,6 +8117,29 @@
           <a:xfrm>
             <a:off x="1074960" y="1656000"/>
             <a:ext cx="10267560" cy="609120"/>
+          </a:xfrm>
+          <a:prstGeom prst="rect">
+            <a:avLst/>
+          </a:prstGeom>
+          <a:ln>
+            <a:noFill/>
+          </a:ln>
+        </p:spPr>
+      </p:pic>
+      <p:pic>
+        <p:nvPicPr>
+          <p:cNvPr id="196" name="" descr=""/>
+          <p:cNvPicPr/>
+          <p:nvPr/>
+        </p:nvPicPr>
+        <p:blipFill>
+          <a:blip r:embed="rId2"/>
+          <a:stretch/>
+        </p:blipFill>
+        <p:spPr>
+          <a:xfrm>
+            <a:off x="1008000" y="2192400"/>
+            <a:ext cx="6480000" cy="559440"/>
           </a:xfrm>
           <a:prstGeom prst="rect">
             <a:avLst/>
@@ -8170,13 +8156,13 @@
           <p:nvPr/>
         </p:nvPicPr>
         <p:blipFill>
-          <a:blip r:embed="rId2"/>
+          <a:blip r:embed="rId3"/>
           <a:stretch/>
         </p:blipFill>
         <p:spPr>
           <a:xfrm>
-            <a:off x="1008000" y="2192400"/>
-            <a:ext cx="6480000" cy="559440"/>
+            <a:off x="957240" y="2733480"/>
+            <a:ext cx="10562760" cy="866520"/>
           </a:xfrm>
           <a:prstGeom prst="rect">
             <a:avLst/>
@@ -8189,29 +8175,6 @@
       <p:pic>
         <p:nvPicPr>
           <p:cNvPr id="198" name="" descr=""/>
-          <p:cNvPicPr/>
-          <p:nvPr/>
-        </p:nvPicPr>
-        <p:blipFill>
-          <a:blip r:embed="rId3"/>
-          <a:stretch/>
-        </p:blipFill>
-        <p:spPr>
-          <a:xfrm>
-            <a:off x="957240" y="2733480"/>
-            <a:ext cx="10562760" cy="866520"/>
-          </a:xfrm>
-          <a:prstGeom prst="rect">
-            <a:avLst/>
-          </a:prstGeom>
-          <a:ln>
-            <a:noFill/>
-          </a:ln>
-        </p:spPr>
-      </p:pic>
-      <p:pic>
-        <p:nvPicPr>
-          <p:cNvPr id="199" name="" descr=""/>
           <p:cNvPicPr/>
           <p:nvPr/>
         </p:nvPicPr>
@@ -8264,7 +8227,7 @@
       </p:grpSpPr>
       <p:sp>
         <p:nvSpPr>
-          <p:cNvPr id="200" name="CustomShape 1"/>
+          <p:cNvPr id="199" name="CustomShape 1"/>
           <p:cNvSpPr/>
           <p:nvPr/>
         </p:nvSpPr>
@@ -8315,7 +8278,7 @@
       </p:sp>
       <p:pic>
         <p:nvPicPr>
-          <p:cNvPr id="201" name="" descr=""/>
+          <p:cNvPr id="200" name="" descr=""/>
           <p:cNvPicPr/>
           <p:nvPr/>
         </p:nvPicPr>
@@ -8327,6 +8290,29 @@
           <a:xfrm>
             <a:off x="1008000" y="1694880"/>
             <a:ext cx="10191240" cy="609120"/>
+          </a:xfrm>
+          <a:prstGeom prst="rect">
+            <a:avLst/>
+          </a:prstGeom>
+          <a:ln>
+            <a:noFill/>
+          </a:ln>
+        </p:spPr>
+      </p:pic>
+      <p:pic>
+        <p:nvPicPr>
+          <p:cNvPr id="201" name="" descr=""/>
+          <p:cNvPicPr/>
+          <p:nvPr/>
+        </p:nvPicPr>
+        <p:blipFill>
+          <a:blip r:embed="rId2"/>
+          <a:stretch/>
+        </p:blipFill>
+        <p:spPr>
+          <a:xfrm>
+            <a:off x="954000" y="2329200"/>
+            <a:ext cx="5310000" cy="626760"/>
           </a:xfrm>
           <a:prstGeom prst="rect">
             <a:avLst/>
@@ -8343,13 +8329,13 @@
           <p:nvPr/>
         </p:nvPicPr>
         <p:blipFill>
-          <a:blip r:embed="rId2"/>
+          <a:blip r:embed="rId3"/>
           <a:stretch/>
         </p:blipFill>
         <p:spPr>
           <a:xfrm>
-            <a:off x="954000" y="2329200"/>
-            <a:ext cx="5310000" cy="626760"/>
+            <a:off x="954000" y="2880000"/>
+            <a:ext cx="10315080" cy="618840"/>
           </a:xfrm>
           <a:prstGeom prst="rect">
             <a:avLst/>
@@ -8362,29 +8348,6 @@
       <p:pic>
         <p:nvPicPr>
           <p:cNvPr id="203" name="" descr=""/>
-          <p:cNvPicPr/>
-          <p:nvPr/>
-        </p:nvPicPr>
-        <p:blipFill>
-          <a:blip r:embed="rId3"/>
-          <a:stretch/>
-        </p:blipFill>
-        <p:spPr>
-          <a:xfrm>
-            <a:off x="954000" y="2880000"/>
-            <a:ext cx="10315080" cy="618840"/>
-          </a:xfrm>
-          <a:prstGeom prst="rect">
-            <a:avLst/>
-          </a:prstGeom>
-          <a:ln>
-            <a:noFill/>
-          </a:ln>
-        </p:spPr>
-      </p:pic>
-      <p:pic>
-        <p:nvPicPr>
-          <p:cNvPr id="204" name="" descr=""/>
           <p:cNvPicPr/>
           <p:nvPr/>
         </p:nvPicPr>
@@ -8437,7 +8400,7 @@
       </p:grpSpPr>
       <p:sp>
         <p:nvSpPr>
-          <p:cNvPr id="205" name="CustomShape 1"/>
+          <p:cNvPr id="204" name="CustomShape 1"/>
           <p:cNvSpPr/>
           <p:nvPr/>
         </p:nvSpPr>
@@ -8488,7 +8451,7 @@
       </p:sp>
       <p:pic>
         <p:nvPicPr>
-          <p:cNvPr id="206" name="" descr=""/>
+          <p:cNvPr id="205" name="" descr=""/>
           <p:cNvPicPr/>
           <p:nvPr/>
         </p:nvPicPr>
@@ -8500,6 +8463,29 @@
           <a:xfrm>
             <a:off x="1152000" y="1656000"/>
             <a:ext cx="10200960" cy="990360"/>
+          </a:xfrm>
+          <a:prstGeom prst="rect">
+            <a:avLst/>
+          </a:prstGeom>
+          <a:ln>
+            <a:noFill/>
+          </a:ln>
+        </p:spPr>
+      </p:pic>
+      <p:pic>
+        <p:nvPicPr>
+          <p:cNvPr id="206" name="" descr=""/>
+          <p:cNvPicPr/>
+          <p:nvPr/>
+        </p:nvPicPr>
+        <p:blipFill>
+          <a:blip r:embed="rId2"/>
+          <a:stretch/>
+        </p:blipFill>
+        <p:spPr>
+          <a:xfrm>
+            <a:off x="1134720" y="2651040"/>
+            <a:ext cx="7829280" cy="732960"/>
           </a:xfrm>
           <a:prstGeom prst="rect">
             <a:avLst/>
@@ -8516,13 +8502,13 @@
           <p:nvPr/>
         </p:nvPicPr>
         <p:blipFill>
-          <a:blip r:embed="rId2"/>
+          <a:blip r:embed="rId3"/>
           <a:stretch/>
         </p:blipFill>
         <p:spPr>
           <a:xfrm>
-            <a:off x="1134720" y="2651040"/>
-            <a:ext cx="7829280" cy="732960"/>
+            <a:off x="1134720" y="3240000"/>
+            <a:ext cx="5676480" cy="1028520"/>
           </a:xfrm>
           <a:prstGeom prst="rect">
             <a:avLst/>
@@ -8539,13 +8525,13 @@
           <p:nvPr/>
         </p:nvPicPr>
         <p:blipFill>
-          <a:blip r:embed="rId3"/>
+          <a:blip r:embed="rId4"/>
           <a:stretch/>
         </p:blipFill>
         <p:spPr>
           <a:xfrm>
-            <a:off x="1134720" y="3240000"/>
-            <a:ext cx="5676480" cy="1028520"/>
+            <a:off x="1152000" y="5157360"/>
+            <a:ext cx="2257200" cy="818640"/>
           </a:xfrm>
           <a:prstGeom prst="rect">
             <a:avLst/>
@@ -8558,29 +8544,6 @@
       <p:pic>
         <p:nvPicPr>
           <p:cNvPr id="209" name="" descr=""/>
-          <p:cNvPicPr/>
-          <p:nvPr/>
-        </p:nvPicPr>
-        <p:blipFill>
-          <a:blip r:embed="rId4"/>
-          <a:stretch/>
-        </p:blipFill>
-        <p:spPr>
-          <a:xfrm>
-            <a:off x="1152000" y="5157360"/>
-            <a:ext cx="2257200" cy="818640"/>
-          </a:xfrm>
-          <a:prstGeom prst="rect">
-            <a:avLst/>
-          </a:prstGeom>
-          <a:ln>
-            <a:noFill/>
-          </a:ln>
-        </p:spPr>
-      </p:pic>
-      <p:pic>
-        <p:nvPicPr>
-          <p:cNvPr id="210" name="" descr=""/>
           <p:cNvPicPr/>
           <p:nvPr/>
         </p:nvPicPr>
@@ -8633,7 +8596,7 @@
       </p:grpSpPr>
       <p:sp>
         <p:nvSpPr>
-          <p:cNvPr id="211" name="CustomShape 1"/>
+          <p:cNvPr id="210" name="CustomShape 1"/>
           <p:cNvSpPr/>
           <p:nvPr/>
         </p:nvSpPr>
@@ -8684,7 +8647,7 @@
       </p:sp>
       <p:sp>
         <p:nvSpPr>
-          <p:cNvPr id="212" name="CustomShape 2"/>
+          <p:cNvPr id="211" name="CustomShape 2"/>
           <p:cNvSpPr/>
           <p:nvPr/>
         </p:nvSpPr>
@@ -8838,7 +8801,7 @@
       </p:grpSpPr>
       <p:sp>
         <p:nvSpPr>
-          <p:cNvPr id="213" name="CustomShape 1"/>
+          <p:cNvPr id="212" name="CustomShape 1"/>
           <p:cNvSpPr/>
           <p:nvPr/>
         </p:nvSpPr>
@@ -8919,7 +8882,7 @@
       </p:grpSpPr>
       <p:sp>
         <p:nvSpPr>
-          <p:cNvPr id="176" name="CustomShape 1"/>
+          <p:cNvPr id="175" name="CustomShape 1"/>
           <p:cNvSpPr/>
           <p:nvPr/>
         </p:nvSpPr>
@@ -8970,7 +8933,7 @@
       </p:sp>
       <p:sp>
         <p:nvSpPr>
-          <p:cNvPr id="177" name="CustomShape 2"/>
+          <p:cNvPr id="176" name="CustomShape 2"/>
           <p:cNvSpPr/>
           <p:nvPr/>
         </p:nvSpPr>
@@ -9061,7 +9024,7 @@
       </p:grpSpPr>
       <p:sp>
         <p:nvSpPr>
-          <p:cNvPr id="178" name="CustomShape 1"/>
+          <p:cNvPr id="177" name="CustomShape 1"/>
           <p:cNvSpPr/>
           <p:nvPr/>
         </p:nvSpPr>
@@ -9112,7 +9075,7 @@
       </p:sp>
       <p:sp>
         <p:nvSpPr>
-          <p:cNvPr id="179" name="CustomShape 2"/>
+          <p:cNvPr id="178" name="CustomShape 2"/>
           <p:cNvSpPr/>
           <p:nvPr/>
         </p:nvSpPr>
@@ -9390,7 +9353,7 @@
       </p:grpSpPr>
       <p:sp>
         <p:nvSpPr>
-          <p:cNvPr id="180" name="CustomShape 1"/>
+          <p:cNvPr id="179" name="CustomShape 1"/>
           <p:cNvSpPr/>
           <p:nvPr/>
         </p:nvSpPr>
@@ -9440,7 +9403,7 @@
       </p:sp>
       <p:pic>
         <p:nvPicPr>
-          <p:cNvPr id="181" name="" descr=""/>
+          <p:cNvPr id="180" name="" descr=""/>
           <p:cNvPicPr/>
           <p:nvPr/>
         </p:nvPicPr>
@@ -9493,7 +9456,7 @@
       </p:grpSpPr>
       <p:sp>
         <p:nvSpPr>
-          <p:cNvPr id="182" name="CustomShape 1"/>
+          <p:cNvPr id="181" name="CustomShape 1"/>
           <p:cNvSpPr/>
           <p:nvPr/>
         </p:nvSpPr>
@@ -9544,7 +9507,7 @@
       </p:sp>
       <p:sp>
         <p:nvSpPr>
-          <p:cNvPr id="183" name="CustomShape 2"/>
+          <p:cNvPr id="182" name="CustomShape 2"/>
           <p:cNvSpPr/>
           <p:nvPr/>
         </p:nvSpPr>
@@ -9632,7 +9595,7 @@
       </p:sp>
       <p:pic>
         <p:nvPicPr>
-          <p:cNvPr id="184" name="" descr=""/>
+          <p:cNvPr id="183" name="" descr=""/>
           <p:cNvPicPr/>
           <p:nvPr/>
         </p:nvPicPr>
@@ -9685,7 +9648,7 @@
       </p:grpSpPr>
       <p:sp>
         <p:nvSpPr>
-          <p:cNvPr id="185" name="CustomShape 1"/>
+          <p:cNvPr id="184" name="CustomShape 1"/>
           <p:cNvSpPr/>
           <p:nvPr/>
         </p:nvSpPr>
@@ -9736,7 +9699,7 @@
       </p:sp>
       <p:pic>
         <p:nvPicPr>
-          <p:cNvPr id="186" name="" descr=""/>
+          <p:cNvPr id="185" name="" descr=""/>
           <p:cNvPicPr/>
           <p:nvPr/>
         </p:nvPicPr>
@@ -9789,7 +9752,7 @@
       </p:grpSpPr>
       <p:sp>
         <p:nvSpPr>
-          <p:cNvPr id="187" name="CustomShape 1"/>
+          <p:cNvPr id="186" name="CustomShape 1"/>
           <p:cNvSpPr/>
           <p:nvPr/>
         </p:nvSpPr>
@@ -9840,7 +9803,7 @@
       </p:sp>
       <p:pic>
         <p:nvPicPr>
-          <p:cNvPr id="188" name="" descr=""/>
+          <p:cNvPr id="187" name="" descr=""/>
           <p:cNvPicPr/>
           <p:nvPr/>
         </p:nvPicPr>
@@ -9893,7 +9856,7 @@
       </p:grpSpPr>
       <p:sp>
         <p:nvSpPr>
-          <p:cNvPr id="189" name="CustomShape 1"/>
+          <p:cNvPr id="188" name="CustomShape 1"/>
           <p:cNvSpPr/>
           <p:nvPr/>
         </p:nvSpPr>
@@ -9944,7 +9907,7 @@
       </p:sp>
       <p:pic>
         <p:nvPicPr>
-          <p:cNvPr id="190" name="" descr=""/>
+          <p:cNvPr id="189" name="" descr=""/>
           <p:cNvPicPr/>
           <p:nvPr/>
         </p:nvPicPr>
@@ -9997,7 +9960,7 @@
       </p:grpSpPr>
       <p:sp>
         <p:nvSpPr>
-          <p:cNvPr id="191" name="CustomShape 1"/>
+          <p:cNvPr id="190" name="CustomShape 1"/>
           <p:cNvSpPr/>
           <p:nvPr/>
         </p:nvSpPr>
@@ -10048,7 +10011,7 @@
       </p:sp>
       <p:pic>
         <p:nvPicPr>
-          <p:cNvPr id="192" name="" descr=""/>
+          <p:cNvPr id="191" name="" descr=""/>
           <p:cNvPicPr/>
           <p:nvPr/>
         </p:nvPicPr>
